--- a/docs/diagrams/ModelComponentClassDiagram.pptx
+++ b/docs/diagrams/ModelComponentClassDiagram.pptx
@@ -208,7 +208,7 @@
           <a:p>
             <a:fld id="{F5CC4B3F-88C1-4FFA-B1B6-F41C21DC6924}" type="datetimeFigureOut">
               <a:rPr lang="en-US" smtClean="0"/>
-              <a:t>3/23/2017</a:t>
+              <a:t>4/9/2017</a:t>
             </a:fld>
             <a:endParaRPr lang="en-US"/>
           </a:p>
@@ -741,7 +741,7 @@
           <a:p>
             <a:fld id="{78C97017-6FC3-485B-9764-EAC9E56C1D49}" type="datetimeFigureOut">
               <a:rPr lang="en-US" smtClean="0"/>
-              <a:t>3/23/2017</a:t>
+              <a:t>4/9/2017</a:t>
             </a:fld>
             <a:endParaRPr lang="en-US"/>
           </a:p>
@@ -911,7 +911,7 @@
           <a:p>
             <a:fld id="{78C97017-6FC3-485B-9764-EAC9E56C1D49}" type="datetimeFigureOut">
               <a:rPr lang="en-US" smtClean="0"/>
-              <a:t>3/23/2017</a:t>
+              <a:t>4/9/2017</a:t>
             </a:fld>
             <a:endParaRPr lang="en-US"/>
           </a:p>
@@ -1091,7 +1091,7 @@
           <a:p>
             <a:fld id="{78C97017-6FC3-485B-9764-EAC9E56C1D49}" type="datetimeFigureOut">
               <a:rPr lang="en-US" smtClean="0"/>
-              <a:t>3/23/2017</a:t>
+              <a:t>4/9/2017</a:t>
             </a:fld>
             <a:endParaRPr lang="en-US"/>
           </a:p>
@@ -1261,7 +1261,7 @@
           <a:p>
             <a:fld id="{78C97017-6FC3-485B-9764-EAC9E56C1D49}" type="datetimeFigureOut">
               <a:rPr lang="en-US" smtClean="0"/>
-              <a:t>3/23/2017</a:t>
+              <a:t>4/9/2017</a:t>
             </a:fld>
             <a:endParaRPr lang="en-US"/>
           </a:p>
@@ -1507,7 +1507,7 @@
           <a:p>
             <a:fld id="{78C97017-6FC3-485B-9764-EAC9E56C1D49}" type="datetimeFigureOut">
               <a:rPr lang="en-US" smtClean="0"/>
-              <a:t>3/23/2017</a:t>
+              <a:t>4/9/2017</a:t>
             </a:fld>
             <a:endParaRPr lang="en-US"/>
           </a:p>
@@ -1795,7 +1795,7 @@
           <a:p>
             <a:fld id="{78C97017-6FC3-485B-9764-EAC9E56C1D49}" type="datetimeFigureOut">
               <a:rPr lang="en-US" smtClean="0"/>
-              <a:t>3/23/2017</a:t>
+              <a:t>4/9/2017</a:t>
             </a:fld>
             <a:endParaRPr lang="en-US"/>
           </a:p>
@@ -2217,7 +2217,7 @@
           <a:p>
             <a:fld id="{78C97017-6FC3-485B-9764-EAC9E56C1D49}" type="datetimeFigureOut">
               <a:rPr lang="en-US" smtClean="0"/>
-              <a:t>3/23/2017</a:t>
+              <a:t>4/9/2017</a:t>
             </a:fld>
             <a:endParaRPr lang="en-US"/>
           </a:p>
@@ -2335,7 +2335,7 @@
           <a:p>
             <a:fld id="{78C97017-6FC3-485B-9764-EAC9E56C1D49}" type="datetimeFigureOut">
               <a:rPr lang="en-US" smtClean="0"/>
-              <a:t>3/23/2017</a:t>
+              <a:t>4/9/2017</a:t>
             </a:fld>
             <a:endParaRPr lang="en-US"/>
           </a:p>
@@ -2430,7 +2430,7 @@
           <a:p>
             <a:fld id="{78C97017-6FC3-485B-9764-EAC9E56C1D49}" type="datetimeFigureOut">
               <a:rPr lang="en-US" smtClean="0"/>
-              <a:t>3/23/2017</a:t>
+              <a:t>4/9/2017</a:t>
             </a:fld>
             <a:endParaRPr lang="en-US"/>
           </a:p>
@@ -2707,7 +2707,7 @@
           <a:p>
             <a:fld id="{78C97017-6FC3-485B-9764-EAC9E56C1D49}" type="datetimeFigureOut">
               <a:rPr lang="en-US" smtClean="0"/>
-              <a:t>3/23/2017</a:t>
+              <a:t>4/9/2017</a:t>
             </a:fld>
             <a:endParaRPr lang="en-US"/>
           </a:p>
@@ -2960,7 +2960,7 @@
           <a:p>
             <a:fld id="{78C97017-6FC3-485B-9764-EAC9E56C1D49}" type="datetimeFigureOut">
               <a:rPr lang="en-US" smtClean="0"/>
-              <a:t>3/23/2017</a:t>
+              <a:t>4/9/2017</a:t>
             </a:fld>
             <a:endParaRPr lang="en-US"/>
           </a:p>
@@ -3173,7 +3173,7 @@
           <a:p>
             <a:fld id="{78C97017-6FC3-485B-9764-EAC9E56C1D49}" type="datetimeFigureOut">
               <a:rPr lang="en-US" smtClean="0"/>
-              <a:t>3/23/2017</a:t>
+              <a:t>4/9/2017</a:t>
             </a:fld>
             <a:endParaRPr lang="en-US"/>
           </a:p>
@@ -6125,6 +6125,105 @@
           </a:p>
         </p:txBody>
       </p:sp>
+      <p:sp>
+        <p:nvSpPr>
+          <p:cNvPr id="84" name="Rectangle 8"/>
+          <p:cNvSpPr/>
+          <p:nvPr/>
+        </p:nvSpPr>
+        <p:spPr>
+          <a:xfrm>
+            <a:off x="7723519" y="3286720"/>
+            <a:ext cx="855536" cy="278014"/>
+          </a:xfrm>
+          <a:prstGeom prst="rect">
+            <a:avLst/>
+          </a:prstGeom>
+          <a:ln w="19050">
+            <a:solidFill>
+              <a:srgbClr val="7030A0"/>
+            </a:solidFill>
+          </a:ln>
+          <a:effectLst/>
+        </p:spPr>
+        <p:style>
+          <a:lnRef idx="1">
+            <a:schemeClr val="accent4"/>
+          </a:lnRef>
+          <a:fillRef idx="2">
+            <a:schemeClr val="accent4"/>
+          </a:fillRef>
+          <a:effectRef idx="1">
+            <a:schemeClr val="accent4"/>
+          </a:effectRef>
+          <a:fontRef idx="minor">
+            <a:schemeClr val="dk1"/>
+          </a:fontRef>
+        </p:style>
+        <p:txBody>
+          <a:bodyPr rtlCol="0" anchor="ctr"/>
+          <a:lstStyle/>
+          <a:p>
+            <a:pPr algn="ctr"/>
+            <a:r>
+              <a:rPr lang="en-SG" sz="1050" dirty="0" smtClean="0">
+                <a:solidFill>
+                  <a:srgbClr val="7030A0"/>
+                </a:solidFill>
+              </a:rPr>
+              <a:t>Recurrence</a:t>
+            </a:r>
+            <a:endParaRPr lang="en-SG" sz="1050" dirty="0">
+              <a:solidFill>
+                <a:srgbClr val="7030A0"/>
+              </a:solidFill>
+            </a:endParaRPr>
+          </a:p>
+        </p:txBody>
+      </p:sp>
+      <p:cxnSp>
+        <p:nvCxnSpPr>
+          <p:cNvPr id="85" name="Elbow Connector 84"/>
+          <p:cNvCxnSpPr>
+            <a:stCxn id="78" idx="3"/>
+            <a:endCxn id="84" idx="1"/>
+          </p:cNvCxnSpPr>
+          <p:nvPr/>
+        </p:nvCxnSpPr>
+        <p:spPr>
+          <a:xfrm>
+            <a:off x="7277995" y="3034891"/>
+            <a:ext cx="445524" cy="390836"/>
+          </a:xfrm>
+          <a:prstGeom prst="bentConnector3">
+            <a:avLst>
+              <a:gd name="adj1" fmla="val 50000"/>
+            </a:avLst>
+          </a:prstGeom>
+          <a:ln w="19050">
+            <a:solidFill>
+              <a:srgbClr val="7030A0"/>
+            </a:solidFill>
+            <a:headEnd type="none" w="med" len="med"/>
+            <a:tailEnd type="arrow" w="med" len="med"/>
+          </a:ln>
+          <a:effectLst/>
+        </p:spPr>
+        <p:style>
+          <a:lnRef idx="1">
+            <a:schemeClr val="accent2"/>
+          </a:lnRef>
+          <a:fillRef idx="2">
+            <a:schemeClr val="accent2"/>
+          </a:fillRef>
+          <a:effectRef idx="1">
+            <a:schemeClr val="accent2"/>
+          </a:effectRef>
+          <a:fontRef idx="minor">
+            <a:schemeClr val="dk1"/>
+          </a:fontRef>
+        </p:style>
+      </p:cxnSp>
     </p:spTree>
     <p:extLst>
       <p:ext uri="{BB962C8B-B14F-4D97-AF65-F5344CB8AC3E}">

--- a/docs/diagrams/ModelComponentClassDiagram.pptx
+++ b/docs/diagrams/ModelComponentClassDiagram.pptx
@@ -3556,8 +3556,8 @@
         </p:nvSpPr>
         <p:spPr>
           <a:xfrm>
-            <a:off x="1119865" y="1685109"/>
-            <a:ext cx="7490735" cy="4064000"/>
+            <a:off x="1119865" y="228600"/>
+            <a:ext cx="7490735" cy="5520509"/>
           </a:xfrm>
           <a:prstGeom prst="roundRect">
             <a:avLst>
@@ -4029,9 +4029,9 @@
           <p:nvPr/>
         </p:nvCxnSpPr>
         <p:spPr>
-          <a:xfrm>
-            <a:off x="910091" y="3040053"/>
-            <a:ext cx="419548" cy="2860"/>
+          <a:xfrm flipV="1">
+            <a:off x="926207" y="2564238"/>
+            <a:ext cx="401122" cy="40217"/>
           </a:xfrm>
           <a:prstGeom prst="bentConnector3">
             <a:avLst>
@@ -6134,7 +6134,7 @@
         <p:spPr>
           <a:xfrm>
             <a:off x="7723519" y="3286720"/>
-            <a:ext cx="855536" cy="278014"/>
+            <a:ext cx="855536" cy="270295"/>
           </a:xfrm>
           <a:prstGeom prst="rect">
             <a:avLst/>
@@ -6193,7 +6193,7 @@
         <p:spPr>
           <a:xfrm>
             <a:off x="7277995" y="3034891"/>
-            <a:ext cx="445524" cy="390836"/>
+            <a:ext cx="445524" cy="386977"/>
           </a:xfrm>
           <a:prstGeom prst="bentConnector3">
             <a:avLst>
@@ -6204,6 +6204,672 @@
             <a:solidFill>
               <a:srgbClr val="7030A0"/>
             </a:solidFill>
+            <a:headEnd type="none" w="med" len="med"/>
+            <a:tailEnd type="arrow" w="med" len="med"/>
+          </a:ln>
+          <a:effectLst/>
+        </p:spPr>
+        <p:style>
+          <a:lnRef idx="1">
+            <a:schemeClr val="accent2"/>
+          </a:lnRef>
+          <a:fillRef idx="2">
+            <a:schemeClr val="accent2"/>
+          </a:fillRef>
+          <a:effectRef idx="1">
+            <a:schemeClr val="accent2"/>
+          </a:effectRef>
+          <a:fontRef idx="minor">
+            <a:schemeClr val="dk1"/>
+          </a:fontRef>
+        </p:style>
+      </p:cxnSp>
+      <p:sp>
+        <p:nvSpPr>
+          <p:cNvPr id="86" name="Rectangle 8"/>
+          <p:cNvSpPr/>
+          <p:nvPr/>
+        </p:nvSpPr>
+        <p:spPr>
+          <a:xfrm>
+            <a:off x="1642742" y="1231024"/>
+            <a:ext cx="981970" cy="314881"/>
+          </a:xfrm>
+          <a:prstGeom prst="rect">
+            <a:avLst/>
+          </a:prstGeom>
+          <a:ln w="19050">
+            <a:solidFill>
+              <a:srgbClr val="7030A0"/>
+            </a:solidFill>
+          </a:ln>
+          <a:effectLst/>
+        </p:spPr>
+        <p:style>
+          <a:lnRef idx="1">
+            <a:schemeClr val="accent4"/>
+          </a:lnRef>
+          <a:fillRef idx="2">
+            <a:schemeClr val="accent4"/>
+          </a:fillRef>
+          <a:effectRef idx="1">
+            <a:schemeClr val="accent4"/>
+          </a:effectRef>
+          <a:fontRef idx="minor">
+            <a:schemeClr val="dk1"/>
+          </a:fontRef>
+        </p:style>
+        <p:txBody>
+          <a:bodyPr rtlCol="0" anchor="ctr"/>
+          <a:lstStyle/>
+          <a:p>
+            <a:pPr algn="ctr"/>
+            <a:r>
+              <a:rPr lang="en-US" sz="1050" dirty="0" err="1" smtClean="0">
+                <a:solidFill>
+                  <a:srgbClr val="7030A0"/>
+                </a:solidFill>
+              </a:rPr>
+              <a:t>PartialSearch</a:t>
+            </a:r>
+            <a:endParaRPr lang="en-SG" sz="1050" dirty="0">
+              <a:solidFill>
+                <a:srgbClr val="7030A0"/>
+              </a:solidFill>
+            </a:endParaRPr>
+          </a:p>
+        </p:txBody>
+      </p:sp>
+      <p:sp>
+        <p:nvSpPr>
+          <p:cNvPr id="87" name="Rectangle 8"/>
+          <p:cNvSpPr/>
+          <p:nvPr/>
+        </p:nvSpPr>
+        <p:spPr>
+          <a:xfrm>
+            <a:off x="3037162" y="407071"/>
+            <a:ext cx="1048646" cy="395075"/>
+          </a:xfrm>
+          <a:prstGeom prst="rect">
+            <a:avLst/>
+          </a:prstGeom>
+          <a:ln w="19050">
+            <a:solidFill>
+              <a:srgbClr val="7030A0"/>
+            </a:solidFill>
+          </a:ln>
+          <a:effectLst/>
+        </p:spPr>
+        <p:style>
+          <a:lnRef idx="1">
+            <a:schemeClr val="accent4"/>
+          </a:lnRef>
+          <a:fillRef idx="2">
+            <a:schemeClr val="accent4"/>
+          </a:fillRef>
+          <a:effectRef idx="1">
+            <a:schemeClr val="accent4"/>
+          </a:effectRef>
+          <a:fontRef idx="minor">
+            <a:schemeClr val="dk1"/>
+          </a:fontRef>
+        </p:style>
+        <p:txBody>
+          <a:bodyPr rtlCol="0" anchor="ctr"/>
+          <a:lstStyle/>
+          <a:p>
+            <a:pPr algn="ctr"/>
+            <a:r>
+              <a:rPr lang="en-SG" sz="1050" dirty="0" err="1" smtClean="0">
+                <a:solidFill>
+                  <a:srgbClr val="7030A0"/>
+                </a:solidFill>
+              </a:rPr>
+              <a:t>UndoPair</a:t>
+            </a:r>
+            <a:endParaRPr lang="en-SG" sz="1050" dirty="0">
+              <a:solidFill>
+                <a:srgbClr val="7030A0"/>
+              </a:solidFill>
+            </a:endParaRPr>
+          </a:p>
+        </p:txBody>
+      </p:sp>
+      <p:cxnSp>
+        <p:nvCxnSpPr>
+          <p:cNvPr id="90" name="Elbow Connector 122"/>
+          <p:cNvCxnSpPr>
+            <a:endCxn id="86" idx="1"/>
+          </p:cNvCxnSpPr>
+          <p:nvPr/>
+        </p:nvCxnSpPr>
+        <p:spPr>
+          <a:xfrm rot="5400000" flipH="1" flipV="1">
+            <a:off x="869302" y="2000170"/>
+            <a:ext cx="1385145" cy="161736"/>
+          </a:xfrm>
+          <a:prstGeom prst="bentConnector2">
+            <a:avLst/>
+          </a:prstGeom>
+          <a:ln w="19050">
+            <a:solidFill>
+              <a:srgbClr val="7030A0"/>
+            </a:solidFill>
+            <a:prstDash val="sysDot"/>
+            <a:headEnd type="none" w="med" len="med"/>
+            <a:tailEnd type="arrow" w="med" len="med"/>
+          </a:ln>
+          <a:effectLst/>
+        </p:spPr>
+        <p:style>
+          <a:lnRef idx="1">
+            <a:schemeClr val="accent2"/>
+          </a:lnRef>
+          <a:fillRef idx="2">
+            <a:schemeClr val="accent2"/>
+          </a:fillRef>
+          <a:effectRef idx="1">
+            <a:schemeClr val="accent2"/>
+          </a:effectRef>
+          <a:fontRef idx="minor">
+            <a:schemeClr val="dk1"/>
+          </a:fontRef>
+        </p:style>
+      </p:cxnSp>
+      <p:sp>
+        <p:nvSpPr>
+          <p:cNvPr id="91" name="Rectangle 8"/>
+          <p:cNvSpPr/>
+          <p:nvPr/>
+        </p:nvSpPr>
+        <p:spPr>
+          <a:xfrm>
+            <a:off x="7021863" y="1311671"/>
+            <a:ext cx="1048646" cy="395075"/>
+          </a:xfrm>
+          <a:prstGeom prst="rect">
+            <a:avLst/>
+          </a:prstGeom>
+          <a:ln w="19050">
+            <a:solidFill>
+              <a:srgbClr val="7030A0"/>
+            </a:solidFill>
+          </a:ln>
+          <a:effectLst/>
+        </p:spPr>
+        <p:style>
+          <a:lnRef idx="1">
+            <a:schemeClr val="accent4"/>
+          </a:lnRef>
+          <a:fillRef idx="2">
+            <a:schemeClr val="accent4"/>
+          </a:fillRef>
+          <a:effectRef idx="1">
+            <a:schemeClr val="accent4"/>
+          </a:effectRef>
+          <a:fontRef idx="minor">
+            <a:schemeClr val="dk1"/>
+          </a:fontRef>
+        </p:style>
+        <p:txBody>
+          <a:bodyPr rtlCol="0" anchor="ctr"/>
+          <a:lstStyle/>
+          <a:p>
+            <a:pPr algn="ctr"/>
+            <a:r>
+              <a:rPr lang="en-SG" sz="1050" dirty="0" err="1" smtClean="0">
+                <a:solidFill>
+                  <a:srgbClr val="7030A0"/>
+                </a:solidFill>
+              </a:rPr>
+              <a:t>TrieNode</a:t>
+            </a:r>
+            <a:endParaRPr lang="en-SG" sz="1050" dirty="0">
+              <a:solidFill>
+                <a:srgbClr val="7030A0"/>
+              </a:solidFill>
+            </a:endParaRPr>
+          </a:p>
+        </p:txBody>
+      </p:sp>
+      <p:sp>
+        <p:nvSpPr>
+          <p:cNvPr id="92" name="Rectangle 8"/>
+          <p:cNvSpPr/>
+          <p:nvPr/>
+        </p:nvSpPr>
+        <p:spPr>
+          <a:xfrm>
+            <a:off x="7021863" y="468892"/>
+            <a:ext cx="1048646" cy="395075"/>
+          </a:xfrm>
+          <a:prstGeom prst="rect">
+            <a:avLst/>
+          </a:prstGeom>
+          <a:ln w="19050">
+            <a:solidFill>
+              <a:srgbClr val="7030A0"/>
+            </a:solidFill>
+          </a:ln>
+          <a:effectLst/>
+        </p:spPr>
+        <p:style>
+          <a:lnRef idx="1">
+            <a:schemeClr val="accent4"/>
+          </a:lnRef>
+          <a:fillRef idx="2">
+            <a:schemeClr val="accent4"/>
+          </a:fillRef>
+          <a:effectRef idx="1">
+            <a:schemeClr val="accent4"/>
+          </a:effectRef>
+          <a:fontRef idx="minor">
+            <a:schemeClr val="dk1"/>
+          </a:fontRef>
+        </p:style>
+        <p:txBody>
+          <a:bodyPr rtlCol="0" anchor="ctr"/>
+          <a:lstStyle/>
+          <a:p>
+            <a:pPr algn="ctr"/>
+            <a:r>
+              <a:rPr lang="en-SG" sz="1050" dirty="0" err="1" smtClean="0">
+                <a:solidFill>
+                  <a:srgbClr val="7030A0"/>
+                </a:solidFill>
+              </a:rPr>
+              <a:t>Trie</a:t>
+            </a:r>
+            <a:endParaRPr lang="en-SG" sz="1050" dirty="0">
+              <a:solidFill>
+                <a:srgbClr val="7030A0"/>
+              </a:solidFill>
+            </a:endParaRPr>
+          </a:p>
+        </p:txBody>
+      </p:sp>
+      <p:sp>
+        <p:nvSpPr>
+          <p:cNvPr id="93" name="Rectangle 8"/>
+          <p:cNvSpPr/>
+          <p:nvPr/>
+        </p:nvSpPr>
+        <p:spPr>
+          <a:xfrm>
+            <a:off x="4522449" y="842057"/>
+            <a:ext cx="2190413" cy="477833"/>
+          </a:xfrm>
+          <a:prstGeom prst="rect">
+            <a:avLst/>
+          </a:prstGeom>
+          <a:ln w="19050">
+            <a:solidFill>
+              <a:srgbClr val="7030A0"/>
+            </a:solidFill>
+          </a:ln>
+          <a:effectLst/>
+        </p:spPr>
+        <p:style>
+          <a:lnRef idx="1">
+            <a:schemeClr val="accent4"/>
+          </a:lnRef>
+          <a:fillRef idx="2">
+            <a:schemeClr val="accent4"/>
+          </a:fillRef>
+          <a:effectRef idx="1">
+            <a:schemeClr val="accent4"/>
+          </a:effectRef>
+          <a:fontRef idx="minor">
+            <a:schemeClr val="dk1"/>
+          </a:fontRef>
+        </p:style>
+        <p:txBody>
+          <a:bodyPr rtlCol="0" anchor="ctr"/>
+          <a:lstStyle/>
+          <a:p>
+            <a:pPr algn="ctr"/>
+            <a:r>
+              <a:rPr lang="en-SG" sz="1050" dirty="0" smtClean="0">
+                <a:solidFill>
+                  <a:srgbClr val="7030A0"/>
+                </a:solidFill>
+              </a:rPr>
+              <a:t>&lt;&lt;interface&gt;&gt;</a:t>
+            </a:r>
+          </a:p>
+          <a:p>
+            <a:pPr algn="ctr"/>
+            <a:r>
+              <a:rPr lang="en-SG" sz="1050" dirty="0" err="1" smtClean="0">
+                <a:solidFill>
+                  <a:srgbClr val="7030A0"/>
+                </a:solidFill>
+              </a:rPr>
+              <a:t>AutocompleteDataStructure</a:t>
+            </a:r>
+            <a:endParaRPr lang="en-SG" sz="1050" dirty="0">
+              <a:solidFill>
+                <a:srgbClr val="7030A0"/>
+              </a:solidFill>
+            </a:endParaRPr>
+          </a:p>
+        </p:txBody>
+      </p:sp>
+      <p:cxnSp>
+        <p:nvCxnSpPr>
+          <p:cNvPr id="96" name="Elbow Connector 122"/>
+          <p:cNvCxnSpPr/>
+          <p:nvPr/>
+        </p:nvCxnSpPr>
+        <p:spPr>
+          <a:xfrm flipV="1">
+            <a:off x="834336" y="3378332"/>
+            <a:ext cx="476832" cy="1"/>
+          </a:xfrm>
+          <a:prstGeom prst="bentConnector3">
+            <a:avLst>
+              <a:gd name="adj1" fmla="val 50000"/>
+            </a:avLst>
+          </a:prstGeom>
+          <a:ln w="19050">
+            <a:solidFill>
+              <a:schemeClr val="bg1">
+                <a:lumMod val="75000"/>
+              </a:schemeClr>
+            </a:solidFill>
+            <a:prstDash val="sysDot"/>
+            <a:headEnd type="none" w="med" len="med"/>
+            <a:tailEnd type="arrow" w="med" len="med"/>
+          </a:ln>
+          <a:effectLst/>
+        </p:spPr>
+        <p:style>
+          <a:lnRef idx="1">
+            <a:schemeClr val="accent2"/>
+          </a:lnRef>
+          <a:fillRef idx="2">
+            <a:schemeClr val="accent2"/>
+          </a:fillRef>
+          <a:effectRef idx="1">
+            <a:schemeClr val="accent2"/>
+          </a:effectRef>
+          <a:fontRef idx="minor">
+            <a:schemeClr val="dk1"/>
+          </a:fontRef>
+        </p:style>
+      </p:cxnSp>
+      <p:sp>
+        <p:nvSpPr>
+          <p:cNvPr id="98" name="Rectangle 65"/>
+          <p:cNvSpPr/>
+          <p:nvPr/>
+        </p:nvSpPr>
+        <p:spPr>
+          <a:xfrm rot="16200000">
+            <a:off x="-700957" y="4129404"/>
+            <a:ext cx="2844309" cy="395104"/>
+          </a:xfrm>
+          <a:prstGeom prst="roundRect">
+            <a:avLst/>
+          </a:prstGeom>
+          <a:solidFill>
+            <a:schemeClr val="accent6">
+              <a:lumMod val="20000"/>
+              <a:lumOff val="80000"/>
+            </a:schemeClr>
+          </a:solidFill>
+          <a:ln w="19050">
+            <a:noFill/>
+          </a:ln>
+          <a:effectLst/>
+        </p:spPr>
+        <p:style>
+          <a:lnRef idx="1">
+            <a:schemeClr val="accent2"/>
+          </a:lnRef>
+          <a:fillRef idx="2">
+            <a:schemeClr val="accent2"/>
+          </a:fillRef>
+          <a:effectRef idx="1">
+            <a:schemeClr val="accent2"/>
+          </a:effectRef>
+          <a:fontRef idx="minor">
+            <a:schemeClr val="dk1"/>
+          </a:fontRef>
+        </p:style>
+        <p:txBody>
+          <a:bodyPr rtlCol="0" anchor="ctr"/>
+          <a:lstStyle/>
+          <a:p>
+            <a:pPr algn="ctr"/>
+            <a:r>
+              <a:rPr lang="en-US" sz="1100" b="1" dirty="0" smtClean="0">
+                <a:solidFill>
+                  <a:schemeClr val="bg1"/>
+                </a:solidFill>
+              </a:rPr>
+              <a:t>UI</a:t>
+            </a:r>
+            <a:endParaRPr lang="en-SG" sz="1100" b="1" dirty="0">
+              <a:solidFill>
+                <a:schemeClr val="bg1"/>
+              </a:solidFill>
+            </a:endParaRPr>
+          </a:p>
+        </p:txBody>
+      </p:sp>
+      <p:sp>
+        <p:nvSpPr>
+          <p:cNvPr id="101" name="Rectangle 65"/>
+          <p:cNvSpPr/>
+          <p:nvPr/>
+        </p:nvSpPr>
+        <p:spPr>
+          <a:xfrm rot="16200000">
+            <a:off x="-507355" y="1305716"/>
+            <a:ext cx="2497456" cy="376954"/>
+          </a:xfrm>
+          <a:prstGeom prst="roundRect">
+            <a:avLst/>
+          </a:prstGeom>
+          <a:solidFill>
+            <a:schemeClr val="accent4">
+              <a:lumMod val="20000"/>
+              <a:lumOff val="80000"/>
+            </a:schemeClr>
+          </a:solidFill>
+          <a:ln w="19050">
+            <a:noFill/>
+          </a:ln>
+          <a:effectLst/>
+        </p:spPr>
+        <p:style>
+          <a:lnRef idx="1">
+            <a:schemeClr val="accent2"/>
+          </a:lnRef>
+          <a:fillRef idx="2">
+            <a:schemeClr val="accent2"/>
+          </a:fillRef>
+          <a:effectRef idx="1">
+            <a:schemeClr val="accent2"/>
+          </a:effectRef>
+          <a:fontRef idx="minor">
+            <a:schemeClr val="dk1"/>
+          </a:fontRef>
+        </p:style>
+        <p:txBody>
+          <a:bodyPr rtlCol="0" anchor="ctr"/>
+          <a:lstStyle/>
+          <a:p>
+            <a:pPr algn="ctr"/>
+            <a:r>
+              <a:rPr lang="en-US" sz="1100" b="1" dirty="0" smtClean="0">
+                <a:solidFill>
+                  <a:schemeClr val="bg1"/>
+                </a:solidFill>
+              </a:rPr>
+              <a:t>Logic</a:t>
+            </a:r>
+            <a:endParaRPr lang="en-SG" sz="1100" b="1" dirty="0">
+              <a:solidFill>
+                <a:schemeClr val="bg1"/>
+              </a:solidFill>
+            </a:endParaRPr>
+          </a:p>
+        </p:txBody>
+      </p:sp>
+      <p:cxnSp>
+        <p:nvCxnSpPr>
+          <p:cNvPr id="102" name="Elbow Connector 122"/>
+          <p:cNvCxnSpPr/>
+          <p:nvPr/>
+        </p:nvCxnSpPr>
+        <p:spPr>
+          <a:xfrm flipV="1">
+            <a:off x="918750" y="490835"/>
+            <a:ext cx="2118412" cy="264219"/>
+          </a:xfrm>
+          <a:prstGeom prst="bentConnector3">
+            <a:avLst>
+              <a:gd name="adj1" fmla="val 50000"/>
+            </a:avLst>
+          </a:prstGeom>
+          <a:ln w="19050">
+            <a:solidFill>
+              <a:schemeClr val="bg1">
+                <a:lumMod val="75000"/>
+              </a:schemeClr>
+            </a:solidFill>
+            <a:prstDash val="sysDot"/>
+            <a:headEnd type="none" w="med" len="med"/>
+            <a:tailEnd type="arrow" w="med" len="med"/>
+          </a:ln>
+          <a:effectLst/>
+        </p:spPr>
+        <p:style>
+          <a:lnRef idx="1">
+            <a:schemeClr val="accent2"/>
+          </a:lnRef>
+          <a:fillRef idx="2">
+            <a:schemeClr val="accent2"/>
+          </a:fillRef>
+          <a:effectRef idx="1">
+            <a:schemeClr val="accent2"/>
+          </a:effectRef>
+          <a:fontRef idx="minor">
+            <a:schemeClr val="dk1"/>
+          </a:fontRef>
+        </p:style>
+      </p:cxnSp>
+      <p:cxnSp>
+        <p:nvCxnSpPr>
+          <p:cNvPr id="103" name="Elbow Connector 122"/>
+          <p:cNvCxnSpPr/>
+          <p:nvPr/>
+        </p:nvCxnSpPr>
+        <p:spPr>
+          <a:xfrm flipV="1">
+            <a:off x="926207" y="991067"/>
+            <a:ext cx="3588022" cy="10461"/>
+          </a:xfrm>
+          <a:prstGeom prst="bentConnector3">
+            <a:avLst>
+              <a:gd name="adj1" fmla="val 50000"/>
+            </a:avLst>
+          </a:prstGeom>
+          <a:ln w="19050">
+            <a:solidFill>
+              <a:schemeClr val="bg1">
+                <a:lumMod val="75000"/>
+              </a:schemeClr>
+            </a:solidFill>
+            <a:prstDash val="sysDot"/>
+            <a:headEnd type="none" w="med" len="med"/>
+            <a:tailEnd type="arrow" w="med" len="med"/>
+          </a:ln>
+          <a:effectLst/>
+        </p:spPr>
+        <p:style>
+          <a:lnRef idx="1">
+            <a:schemeClr val="accent2"/>
+          </a:lnRef>
+          <a:fillRef idx="2">
+            <a:schemeClr val="accent2"/>
+          </a:fillRef>
+          <a:effectRef idx="1">
+            <a:schemeClr val="accent2"/>
+          </a:effectRef>
+          <a:fontRef idx="minor">
+            <a:schemeClr val="dk1"/>
+          </a:fontRef>
+        </p:style>
+      </p:cxnSp>
+      <p:cxnSp>
+        <p:nvCxnSpPr>
+          <p:cNvPr id="104" name="Elbow Connector 103"/>
+          <p:cNvCxnSpPr>
+            <a:stCxn id="93" idx="3"/>
+            <a:endCxn id="92" idx="1"/>
+          </p:cNvCxnSpPr>
+          <p:nvPr/>
+        </p:nvCxnSpPr>
+        <p:spPr>
+          <a:xfrm flipV="1">
+            <a:off x="6712862" y="666430"/>
+            <a:ext cx="309001" cy="414544"/>
+          </a:xfrm>
+          <a:prstGeom prst="bentConnector3">
+            <a:avLst>
+              <a:gd name="adj1" fmla="val 50000"/>
+            </a:avLst>
+          </a:prstGeom>
+          <a:ln w="19050">
+            <a:solidFill>
+              <a:srgbClr val="7030A0"/>
+            </a:solidFill>
+            <a:prstDash val="solid"/>
+            <a:headEnd type="none" w="med" len="med"/>
+            <a:tailEnd type="arrow" w="med" len="med"/>
+          </a:ln>
+          <a:effectLst/>
+        </p:spPr>
+        <p:style>
+          <a:lnRef idx="1">
+            <a:schemeClr val="accent2"/>
+          </a:lnRef>
+          <a:fillRef idx="2">
+            <a:schemeClr val="accent2"/>
+          </a:fillRef>
+          <a:effectRef idx="1">
+            <a:schemeClr val="accent2"/>
+          </a:effectRef>
+          <a:fontRef idx="minor">
+            <a:schemeClr val="dk1"/>
+          </a:fontRef>
+        </p:style>
+      </p:cxnSp>
+      <p:cxnSp>
+        <p:nvCxnSpPr>
+          <p:cNvPr id="105" name="Elbow Connector 104"/>
+          <p:cNvCxnSpPr/>
+          <p:nvPr/>
+        </p:nvCxnSpPr>
+        <p:spPr>
+          <a:xfrm rot="16200000" flipH="1">
+            <a:off x="7471777" y="918526"/>
+            <a:ext cx="439574" cy="314071"/>
+          </a:xfrm>
+          <a:prstGeom prst="bentConnector3">
+            <a:avLst>
+              <a:gd name="adj1" fmla="val 50000"/>
+            </a:avLst>
+          </a:prstGeom>
+          <a:ln w="19050">
+            <a:solidFill>
+              <a:srgbClr val="7030A0"/>
+            </a:solidFill>
+            <a:prstDash val="solid"/>
             <a:headEnd type="none" w="med" len="med"/>
             <a:tailEnd type="arrow" w="med" len="med"/>
           </a:ln>
